--- a/数据库设计说明书.pptx
+++ b/数据库设计说明书.pptx
@@ -10,6 +10,8 @@
     <p:sldId id="412" r:id="rId5"/>
     <p:sldId id="413" r:id="rId6"/>
     <p:sldId id="414" r:id="rId7"/>
+    <p:sldId id="421" r:id="rId8"/>
+    <p:sldId id="422" r:id="rId9"/>
   </p:sldIdLst>
   <p:sldSz cx="12192000" cy="6858000"/>
   <p:notesSz cx="6858000" cy="9144000"/>
@@ -4452,9 +4454,154 @@
         <p:nvPr/>
       </p:nvGrpSpPr>
       <p:grpSpPr/>
+      <p:sp>
+        <p:nvSpPr>
+          <p:cNvPr id="3" name="文本占位符 2"/>
+          <p:cNvSpPr>
+            <a:spLocks noGrp="1"/>
+          </p:cNvSpPr>
+          <p:nvPr>
+            <p:ph type="body" sz="half" idx="2"/>
+          </p:nvPr>
+        </p:nvSpPr>
+        <p:spPr>
+          <a:xfrm>
+            <a:off x="6353575" y="102955"/>
+            <a:ext cx="5227200" cy="4608000"/>
+          </a:xfrm>
+        </p:spPr>
+        <p:txBody>
+          <a:bodyPr/>
+          <a:p>
+            <a:r>
+              <a:rPr lang="en-US" altLang="zh-CN" sz="2000"/>
+              <a:t>userid:</a:t>
+            </a:r>
+            <a:r>
+              <a:rPr sz="2000"/>
+              <a:t>用户</a:t>
+            </a:r>
+            <a:r>
+              <a:rPr lang="en-US" altLang="zh-CN" sz="2000"/>
+              <a:t>id</a:t>
+            </a:r>
+            <a:endParaRPr lang="en-US" altLang="zh-CN" sz="2000"/>
+          </a:p>
+          <a:p>
+            <a:r>
+              <a:rPr lang="en-US" altLang="zh-CN" sz="2000"/>
+              <a:t>nickname:</a:t>
+            </a:r>
+            <a:r>
+              <a:rPr altLang="zh-CN" sz="2000"/>
+              <a:t>用户账号</a:t>
+            </a:r>
+            <a:endParaRPr altLang="zh-CN" sz="2000"/>
+          </a:p>
+          <a:p>
+            <a:r>
+              <a:rPr lang="en-US" altLang="zh-CN" sz="2000"/>
+              <a:t>user pass:</a:t>
+            </a:r>
+            <a:r>
+              <a:rPr sz="2000"/>
+              <a:t>密码</a:t>
+            </a:r>
+            <a:endParaRPr lang="en-US" altLang="zh-CN" sz="2000"/>
+          </a:p>
+          <a:p>
+            <a:r>
+              <a:rPr lang="en-US" altLang="zh-CN" sz="2000"/>
+              <a:t>realname:</a:t>
+            </a:r>
+            <a:r>
+              <a:rPr sz="2000"/>
+              <a:t>真实姓名</a:t>
+            </a:r>
+            <a:endParaRPr lang="en-US" altLang="zh-CN" sz="2000"/>
+          </a:p>
+          <a:p>
+            <a:r>
+              <a:rPr lang="en-US" altLang="zh-CN" sz="2000"/>
+              <a:t>nickname:</a:t>
+            </a:r>
+            <a:r>
+              <a:rPr sz="2000"/>
+              <a:t>昵称</a:t>
+            </a:r>
+            <a:endParaRPr sz="2000"/>
+          </a:p>
+          <a:p>
+            <a:r>
+              <a:rPr lang="en-US" altLang="zh-CN" sz="2000"/>
+              <a:t>usermail:</a:t>
+            </a:r>
+            <a:r>
+              <a:rPr sz="2000"/>
+              <a:t>邮箱</a:t>
+            </a:r>
+            <a:endParaRPr lang="en-US" altLang="zh-CN" sz="2000"/>
+          </a:p>
+          <a:p>
+            <a:r>
+              <a:rPr lang="en-US" altLang="zh-CN" sz="2000"/>
+              <a:t>userphone:</a:t>
+            </a:r>
+            <a:r>
+              <a:rPr sz="2000"/>
+              <a:t>电话</a:t>
+            </a:r>
+            <a:endParaRPr lang="en-US" altLang="zh-CN" sz="2000"/>
+          </a:p>
+          <a:p>
+            <a:r>
+              <a:rPr lang="en-US" altLang="zh-CN" sz="2000"/>
+              <a:t>regdate:</a:t>
+            </a:r>
+            <a:r>
+              <a:rPr sz="2000"/>
+              <a:t>注册时间</a:t>
+            </a:r>
+            <a:endParaRPr lang="en-US" altLang="zh-CN" sz="2000"/>
+          </a:p>
+          <a:p>
+            <a:r>
+              <a:rPr lang="en-US" altLang="zh-CN" sz="2000"/>
+              <a:t>usertype:</a:t>
+            </a:r>
+            <a:r>
+              <a:rPr altLang="zh-CN" sz="2000"/>
+              <a:t>用户类型</a:t>
+            </a:r>
+            <a:endParaRPr altLang="zh-CN" sz="2000"/>
+          </a:p>
+        </p:txBody>
+      </p:sp>
+      <p:sp>
+        <p:nvSpPr>
+          <p:cNvPr id="4" name="标题 3"/>
+          <p:cNvSpPr>
+            <a:spLocks noGrp="1"/>
+          </p:cNvSpPr>
+          <p:nvPr>
+            <p:ph type="title"/>
+          </p:nvPr>
+        </p:nvSpPr>
+        <p:spPr/>
+        <p:txBody>
+          <a:bodyPr/>
+          <a:p>
+            <a:r>
+              <a:rPr lang="zh-CN" altLang="zh-CN"/>
+              <a:t>用户表</a:t>
+            </a:r>
+            <a:endParaRPr lang="zh-CN" altLang="zh-CN"/>
+          </a:p>
+        </p:txBody>
+      </p:sp>
       <p:pic>
         <p:nvPicPr>
-          <p:cNvPr id="5" name="图片占位符 4" descr="user"/>
+          <p:cNvPr id="7" name="图片占位符 6"/>
           <p:cNvPicPr>
             <a:picLocks noChangeAspect="1"/>
           </p:cNvPicPr>
@@ -4470,81 +4617,14 @@
         </p:blipFill>
         <p:spPr>
           <a:xfrm>
-            <a:off x="211455" y="2040255"/>
-            <a:ext cx="6139180" cy="2108835"/>
+            <a:off x="611505" y="4601845"/>
+            <a:ext cx="10969625" cy="842010"/>
           </a:xfrm>
           <a:prstGeom prst="rect">
             <a:avLst/>
           </a:prstGeom>
         </p:spPr>
       </p:pic>
-      <p:sp>
-        <p:nvSpPr>
-          <p:cNvPr id="3" name="文本占位符 2"/>
-          <p:cNvSpPr>
-            <a:spLocks noGrp="1"/>
-          </p:cNvSpPr>
-          <p:nvPr>
-            <p:ph type="body" sz="half" idx="2"/>
-          </p:nvPr>
-        </p:nvSpPr>
-        <p:spPr/>
-        <p:txBody>
-          <a:bodyPr/>
-          <a:p>
-            <a:r>
-              <a:rPr lang="en-US" altLang="zh-CN" sz="3600"/>
-              <a:t>userid:</a:t>
-            </a:r>
-            <a:r>
-              <a:rPr sz="3600"/>
-              <a:t>用户</a:t>
-            </a:r>
-            <a:r>
-              <a:rPr lang="en-US" altLang="zh-CN" sz="3600"/>
-              <a:t>id</a:t>
-            </a:r>
-            <a:endParaRPr lang="en-US" altLang="zh-CN" sz="3600"/>
-          </a:p>
-          <a:p>
-            <a:r>
-              <a:rPr lang="en-US" altLang="zh-CN" sz="3600"/>
-              <a:t>nickname:</a:t>
-            </a:r>
-            <a:r>
-              <a:rPr sz="3600"/>
-              <a:t>登录</a:t>
-            </a:r>
-            <a:r>
-              <a:rPr sz="3600"/>
-              <a:t>密码</a:t>
-            </a:r>
-            <a:endParaRPr sz="3600"/>
-          </a:p>
-        </p:txBody>
-      </p:sp>
-      <p:sp>
-        <p:nvSpPr>
-          <p:cNvPr id="4" name="标题 3"/>
-          <p:cNvSpPr>
-            <a:spLocks noGrp="1"/>
-          </p:cNvSpPr>
-          <p:nvPr>
-            <p:ph type="title"/>
-          </p:nvPr>
-        </p:nvSpPr>
-        <p:spPr/>
-        <p:txBody>
-          <a:bodyPr/>
-          <a:p>
-            <a:r>
-              <a:rPr lang="zh-CN" altLang="zh-CN"/>
-              <a:t>用户表</a:t>
-            </a:r>
-            <a:endParaRPr lang="zh-CN" altLang="zh-CN"/>
-          </a:p>
-        </p:txBody>
-      </p:sp>
     </p:spTree>
     <p:custDataLst>
       <p:tags r:id="rId2"/>
@@ -4566,9 +4646,140 @@
         <p:nvPr/>
       </p:nvGrpSpPr>
       <p:grpSpPr/>
+      <p:sp>
+        <p:nvSpPr>
+          <p:cNvPr id="3" name="文本占位符 2"/>
+          <p:cNvSpPr>
+            <a:spLocks noGrp="1"/>
+          </p:cNvSpPr>
+          <p:nvPr>
+            <p:ph type="body" sz="half" idx="2"/>
+          </p:nvPr>
+        </p:nvSpPr>
+        <p:spPr>
+          <a:xfrm>
+            <a:off x="5291455" y="773430"/>
+            <a:ext cx="5227320" cy="4316095"/>
+          </a:xfrm>
+        </p:spPr>
+        <p:txBody>
+          <a:bodyPr/>
+          <a:p>
+            <a:r>
+              <a:rPr lang="en-US" altLang="zh-CN" sz="2000"/>
+              <a:t>sblog id:</a:t>
+            </a:r>
+            <a:r>
+              <a:rPr sz="2000"/>
+              <a:t>发布</a:t>
+            </a:r>
+            <a:r>
+              <a:rPr lang="en-US" altLang="zh-CN" sz="2000"/>
+              <a:t>id</a:t>
+            </a:r>
+            <a:endParaRPr lang="en-US" altLang="zh-CN" sz="2000"/>
+          </a:p>
+          <a:p>
+            <a:r>
+              <a:rPr lang="en-US" altLang="zh-CN" sz="2000"/>
+              <a:t>goods id:</a:t>
+            </a:r>
+            <a:r>
+              <a:rPr sz="2000"/>
+              <a:t>商品</a:t>
+            </a:r>
+            <a:r>
+              <a:rPr lang="en-US" altLang="zh-CN" sz="2000"/>
+              <a:t>id</a:t>
+            </a:r>
+            <a:endParaRPr lang="en-US" altLang="zh-CN" sz="2000"/>
+          </a:p>
+          <a:p>
+            <a:r>
+              <a:rPr lang="en-US" altLang="zh-CN" sz="2000"/>
+              <a:t>user id:</a:t>
+            </a:r>
+            <a:r>
+              <a:rPr sz="2000"/>
+              <a:t>用户</a:t>
+            </a:r>
+            <a:r>
+              <a:rPr lang="en-US" altLang="zh-CN" sz="2000"/>
+              <a:t>id</a:t>
+            </a:r>
+            <a:endParaRPr lang="en-US" altLang="zh-CN" sz="2000"/>
+          </a:p>
+          <a:p>
+            <a:r>
+              <a:rPr lang="en-US" altLang="zh-CN" sz="2000"/>
+              <a:t>sblog title:</a:t>
+            </a:r>
+            <a:r>
+              <a:rPr sz="2000"/>
+              <a:t>名称</a:t>
+            </a:r>
+            <a:endParaRPr lang="en-US" altLang="zh-CN" sz="2000"/>
+          </a:p>
+          <a:p>
+            <a:r>
+              <a:rPr lang="en-US" altLang="zh-CN" sz="2000"/>
+              <a:t>sblog content:</a:t>
+            </a:r>
+            <a:r>
+              <a:rPr altLang="zh-CN" sz="2000"/>
+              <a:t>内容</a:t>
+            </a:r>
+            <a:endParaRPr lang="en-US" altLang="zh-CN" sz="2000"/>
+          </a:p>
+          <a:p>
+            <a:r>
+              <a:rPr lang="en-US" altLang="zh-CN" sz="2000"/>
+              <a:t>sblog date:</a:t>
+            </a:r>
+            <a:r>
+              <a:rPr sz="2000"/>
+              <a:t>发布日期</a:t>
+            </a:r>
+            <a:endParaRPr lang="en-US" altLang="zh-CN" sz="2000"/>
+          </a:p>
+          <a:p>
+            <a:r>
+              <a:rPr lang="en-US" altLang="zh-CN" sz="2000"/>
+              <a:t>sblog pic:</a:t>
+            </a:r>
+            <a:r>
+              <a:rPr sz="2000"/>
+              <a:t>操作</a:t>
+            </a:r>
+            <a:endParaRPr sz="2000"/>
+          </a:p>
+        </p:txBody>
+      </p:sp>
+      <p:sp>
+        <p:nvSpPr>
+          <p:cNvPr id="4" name="标题 3"/>
+          <p:cNvSpPr>
+            <a:spLocks noGrp="1"/>
+          </p:cNvSpPr>
+          <p:nvPr>
+            <p:ph type="title"/>
+          </p:nvPr>
+        </p:nvSpPr>
+        <p:spPr/>
+        <p:txBody>
+          <a:bodyPr/>
+          <a:p>
+            <a:r>
+              <a:rPr lang="zh-CN" altLang="en-US"/>
+              <a:t>评价</a:t>
+            </a:r>
+            <a:endParaRPr lang="zh-CN" altLang="en-US"/>
+          </a:p>
+        </p:txBody>
+      </p:sp>
       <p:pic>
         <p:nvPicPr>
-          <p:cNvPr id="5" name="图片占位符 4" descr="manager"/>
+          <p:cNvPr id="6" name="图片占位符 5"/>
           <p:cNvPicPr>
             <a:picLocks noChangeAspect="1"/>
           </p:cNvPicPr>
@@ -4584,78 +4795,14 @@
         </p:blipFill>
         <p:spPr>
           <a:xfrm>
-            <a:off x="0" y="2299970"/>
-            <a:ext cx="6350000" cy="1899920"/>
+            <a:off x="245110" y="5484495"/>
+            <a:ext cx="11489055" cy="499110"/>
           </a:xfrm>
           <a:prstGeom prst="rect">
             <a:avLst/>
           </a:prstGeom>
         </p:spPr>
       </p:pic>
-      <p:sp>
-        <p:nvSpPr>
-          <p:cNvPr id="3" name="文本占位符 2"/>
-          <p:cNvSpPr>
-            <a:spLocks noGrp="1"/>
-          </p:cNvSpPr>
-          <p:nvPr>
-            <p:ph type="body" sz="half" idx="2"/>
-          </p:nvPr>
-        </p:nvSpPr>
-        <p:spPr>
-          <a:xfrm>
-            <a:off x="6350635" y="1847215"/>
-            <a:ext cx="5227320" cy="4316095"/>
-          </a:xfrm>
-        </p:spPr>
-        <p:txBody>
-          <a:bodyPr/>
-          <a:p>
-            <a:r>
-              <a:rPr lang="en-US" altLang="zh-CN" sz="3200"/>
-              <a:t>username:</a:t>
-            </a:r>
-            <a:r>
-              <a:rPr altLang="zh-CN" sz="3200"/>
-              <a:t>用户账号</a:t>
-            </a:r>
-            <a:endParaRPr lang="en-US" altLang="zh-CN" sz="3200"/>
-          </a:p>
-          <a:p>
-            <a:r>
-              <a:rPr lang="en-US" altLang="zh-CN" sz="3200"/>
-              <a:t>password:</a:t>
-            </a:r>
-            <a:r>
-              <a:rPr sz="3200"/>
-              <a:t>密码</a:t>
-            </a:r>
-            <a:endParaRPr sz="3200"/>
-          </a:p>
-        </p:txBody>
-      </p:sp>
-      <p:sp>
-        <p:nvSpPr>
-          <p:cNvPr id="4" name="标题 3"/>
-          <p:cNvSpPr>
-            <a:spLocks noGrp="1"/>
-          </p:cNvSpPr>
-          <p:nvPr>
-            <p:ph type="title"/>
-          </p:nvPr>
-        </p:nvSpPr>
-        <p:spPr/>
-        <p:txBody>
-          <a:bodyPr/>
-          <a:p>
-            <a:r>
-              <a:rPr lang="zh-CN" altLang="en-US"/>
-              <a:t>管理员表</a:t>
-            </a:r>
-            <a:endParaRPr lang="zh-CN" altLang="en-US"/>
-          </a:p>
-        </p:txBody>
-      </p:sp>
     </p:spTree>
     <p:custDataLst>
       <p:tags r:id="rId2"/>
@@ -4677,9 +4824,181 @@
         <p:nvPr/>
       </p:nvGrpSpPr>
       <p:grpSpPr/>
+      <p:sp>
+        <p:nvSpPr>
+          <p:cNvPr id="3" name="文本占位符 2"/>
+          <p:cNvSpPr>
+            <a:spLocks noGrp="1"/>
+          </p:cNvSpPr>
+          <p:nvPr>
+            <p:ph type="body" sz="half" idx="2"/>
+          </p:nvPr>
+        </p:nvSpPr>
+        <p:spPr>
+          <a:xfrm>
+            <a:off x="3143250" y="1221105"/>
+            <a:ext cx="8434070" cy="3482340"/>
+          </a:xfrm>
+        </p:spPr>
+        <p:txBody>
+          <a:bodyPr>
+            <a:normAutofit lnSpcReduction="20000"/>
+          </a:bodyPr>
+          <a:p>
+            <a:r>
+              <a:rPr lang="en-US" altLang="zh-CN" sz="2000"/>
+              <a:t>goods id:</a:t>
+            </a:r>
+            <a:r>
+              <a:rPr altLang="zh-CN" sz="2000"/>
+              <a:t>商品</a:t>
+            </a:r>
+            <a:r>
+              <a:rPr lang="en-US" altLang="zh-CN" sz="2000"/>
+              <a:t>id                               good click:</a:t>
+            </a:r>
+            <a:r>
+              <a:rPr sz="2000"/>
+              <a:t>可否小刀</a:t>
+            </a:r>
+            <a:endParaRPr lang="en-US" altLang="zh-CN" sz="2000"/>
+          </a:p>
+          <a:p>
+            <a:r>
+              <a:rPr lang="en-US" altLang="zh-CN" sz="2000"/>
+              <a:t>user id:</a:t>
+            </a:r>
+            <a:r>
+              <a:rPr sz="2000"/>
+              <a:t>用户</a:t>
+            </a:r>
+            <a:r>
+              <a:rPr lang="en-US" altLang="zh-CN" sz="2000"/>
+              <a:t>id</a:t>
+            </a:r>
+            <a:r>
+              <a:rPr lang="en-US" altLang="zh-CN" sz="2000"/>
+              <a:t>                                  user phone:</a:t>
+            </a:r>
+            <a:r>
+              <a:rPr sz="2000"/>
+              <a:t>电话</a:t>
+            </a:r>
+            <a:endParaRPr lang="en-US" altLang="zh-CN" sz="2000"/>
+          </a:p>
+          <a:p>
+            <a:r>
+              <a:rPr lang="en-US" altLang="zh-CN" sz="2000"/>
+              <a:t>goods name:</a:t>
+            </a:r>
+            <a:r>
+              <a:rPr sz="2000"/>
+              <a:t>名称</a:t>
+            </a:r>
+            <a:r>
+              <a:rPr lang="en-US" altLang="zh-CN" sz="2000"/>
+              <a:t>                             user qq:QQ</a:t>
+            </a:r>
+            <a:endParaRPr lang="en-US" altLang="zh-CN" sz="2000"/>
+          </a:p>
+          <a:p>
+            <a:r>
+              <a:rPr lang="en-US" altLang="zh-CN" sz="2000"/>
+              <a:t>goods type1: </a:t>
+            </a:r>
+            <a:r>
+              <a:rPr sz="2000"/>
+              <a:t>类型</a:t>
+            </a:r>
+            <a:r>
+              <a:rPr lang="en-US" altLang="zh-CN" sz="2000"/>
+              <a:t>1</a:t>
+            </a:r>
+            <a:r>
+              <a:rPr lang="en-US" altLang="zh-CN" sz="2000"/>
+              <a:t>                           goods address:</a:t>
+            </a:r>
+            <a:r>
+              <a:rPr altLang="zh-CN" sz="2000"/>
+              <a:t>地址</a:t>
+            </a:r>
+            <a:endParaRPr lang="en-US" altLang="zh-CN" sz="2000"/>
+          </a:p>
+          <a:p>
+            <a:r>
+              <a:rPr lang="en-US" altLang="zh-CN" sz="2000"/>
+              <a:t>goods type2: </a:t>
+            </a:r>
+            <a:r>
+              <a:rPr sz="2000"/>
+              <a:t>类型</a:t>
+            </a:r>
+            <a:r>
+              <a:rPr lang="en-US" altLang="zh-CN" sz="2000"/>
+              <a:t>2</a:t>
+            </a:r>
+            <a:r>
+              <a:rPr lang="en-US" altLang="zh-CN" sz="2000"/>
+              <a:t>                            goods date:</a:t>
+            </a:r>
+            <a:r>
+              <a:rPr sz="2000"/>
+              <a:t>日期</a:t>
+            </a:r>
+            <a:endParaRPr lang="en-US" altLang="zh-CN" sz="2000"/>
+          </a:p>
+          <a:p>
+            <a:r>
+              <a:rPr lang="en-US" altLang="zh-CN" sz="2000"/>
+              <a:t>good desc:</a:t>
+            </a:r>
+            <a:r>
+              <a:rPr sz="2000"/>
+              <a:t>价格</a:t>
+            </a:r>
+            <a:endParaRPr lang="en-US" altLang="zh-CN" sz="2000"/>
+          </a:p>
+          <a:p>
+            <a:r>
+              <a:rPr lang="en-US" altLang="zh-CN" sz="2000"/>
+              <a:t>goods sale:</a:t>
+            </a:r>
+            <a:r>
+              <a:rPr sz="2000"/>
+              <a:t>数量</a:t>
+            </a:r>
+            <a:endParaRPr lang="en-US" altLang="zh-CN" sz="2000"/>
+          </a:p>
+          <a:p>
+            <a:endParaRPr lang="en-US" altLang="zh-CN" sz="2000"/>
+          </a:p>
+        </p:txBody>
+      </p:sp>
+      <p:sp>
+        <p:nvSpPr>
+          <p:cNvPr id="4" name="标题 3"/>
+          <p:cNvSpPr>
+            <a:spLocks noGrp="1"/>
+          </p:cNvSpPr>
+          <p:nvPr>
+            <p:ph type="title"/>
+          </p:nvPr>
+        </p:nvSpPr>
+        <p:spPr/>
+        <p:txBody>
+          <a:bodyPr/>
+          <a:p>
+            <a:r>
+              <a:rPr lang="zh-CN" altLang="en-US"/>
+              <a:t>上架商品</a:t>
+            </a:r>
+            <a:endParaRPr lang="zh-CN" altLang="en-US"/>
+          </a:p>
+        </p:txBody>
+      </p:sp>
       <p:pic>
         <p:nvPicPr>
-          <p:cNvPr id="5" name="图片占位符 4" descr="xinxi"/>
+          <p:cNvPr id="6" name="图片占位符 5"/>
           <p:cNvPicPr>
             <a:picLocks noChangeAspect="1"/>
           </p:cNvPicPr>
@@ -4695,92 +5014,14 @@
         </p:blipFill>
         <p:spPr>
           <a:xfrm>
-            <a:off x="230505" y="2129155"/>
-            <a:ext cx="6120765" cy="2599690"/>
+            <a:off x="0" y="4704080"/>
+            <a:ext cx="12071350" cy="763270"/>
           </a:xfrm>
           <a:prstGeom prst="rect">
             <a:avLst/>
           </a:prstGeom>
         </p:spPr>
       </p:pic>
-      <p:sp>
-        <p:nvSpPr>
-          <p:cNvPr id="3" name="文本占位符 2"/>
-          <p:cNvSpPr>
-            <a:spLocks noGrp="1"/>
-          </p:cNvSpPr>
-          <p:nvPr>
-            <p:ph type="body" sz="half" idx="2"/>
-          </p:nvPr>
-        </p:nvSpPr>
-        <p:spPr>
-          <a:xfrm>
-            <a:off x="6350635" y="2128520"/>
-            <a:ext cx="5227320" cy="4034790"/>
-          </a:xfrm>
-        </p:spPr>
-        <p:txBody>
-          <a:bodyPr/>
-          <a:p>
-            <a:r>
-              <a:rPr lang="en-US" altLang="zh-CN" sz="3200"/>
-              <a:t>name:</a:t>
-            </a:r>
-            <a:r>
-              <a:rPr sz="3200"/>
-              <a:t>用户昵称</a:t>
-            </a:r>
-            <a:endParaRPr lang="en-US" altLang="zh-CN" sz="3200"/>
-          </a:p>
-          <a:p>
-            <a:r>
-              <a:rPr lang="en-US" altLang="zh-CN" sz="3200"/>
-              <a:t>phone:</a:t>
-            </a:r>
-            <a:r>
-              <a:rPr sz="3200"/>
-              <a:t>电话号码</a:t>
-            </a:r>
-            <a:endParaRPr lang="en-US" altLang="zh-CN" sz="3200"/>
-          </a:p>
-          <a:p>
-            <a:r>
-              <a:rPr lang="en-US" altLang="zh-CN" sz="3200"/>
-              <a:t>addres:</a:t>
-            </a:r>
-            <a:r>
-              <a:rPr sz="3200"/>
-              <a:t>联系地址</a:t>
-            </a:r>
-            <a:endParaRPr sz="3200"/>
-          </a:p>
-          <a:p>
-            <a:endParaRPr sz="3200"/>
-          </a:p>
-        </p:txBody>
-      </p:sp>
-      <p:sp>
-        <p:nvSpPr>
-          <p:cNvPr id="4" name="标题 3"/>
-          <p:cNvSpPr>
-            <a:spLocks noGrp="1"/>
-          </p:cNvSpPr>
-          <p:nvPr>
-            <p:ph type="title"/>
-          </p:nvPr>
-        </p:nvSpPr>
-        <p:spPr/>
-        <p:txBody>
-          <a:bodyPr/>
-          <a:p>
-            <a:r>
-              <a:rPr lang="zh-CN" altLang="en-US"/>
-              <a:t>个人信息表</a:t>
-            </a:r>
-            <a:endParaRPr lang="zh-CN" altLang="en-US"/>
-          </a:p>
-        </p:txBody>
-      </p:sp>
     </p:spTree>
     <p:custDataLst>
       <p:tags r:id="rId2"/>
@@ -4802,9 +5043,153 @@
         <p:nvPr/>
       </p:nvGrpSpPr>
       <p:grpSpPr/>
+      <p:sp>
+        <p:nvSpPr>
+          <p:cNvPr id="3" name="文本占位符 2"/>
+          <p:cNvSpPr>
+            <a:spLocks noGrp="1"/>
+          </p:cNvSpPr>
+          <p:nvPr>
+            <p:ph type="body" sz="half" idx="2"/>
+          </p:nvPr>
+        </p:nvSpPr>
+        <p:spPr>
+          <a:xfrm>
+            <a:off x="2758440" y="844550"/>
+            <a:ext cx="9144000" cy="3863340"/>
+          </a:xfrm>
+        </p:spPr>
+        <p:txBody>
+          <a:bodyPr>
+            <a:normAutofit/>
+          </a:bodyPr>
+          <a:p>
+            <a:r>
+              <a:rPr lang="en-US" altLang="zh-CN" sz="2000"/>
+              <a:t>orders id:</a:t>
+            </a:r>
+            <a:r>
+              <a:rPr sz="2000"/>
+              <a:t>订单</a:t>
+            </a:r>
+            <a:r>
+              <a:rPr lang="en-US" altLang="zh-CN" sz="2000"/>
+              <a:t>id</a:t>
+            </a:r>
+            <a:endParaRPr lang="en-US" altLang="zh-CN" sz="2000"/>
+          </a:p>
+          <a:p>
+            <a:r>
+              <a:rPr lang="en-US" altLang="zh-CN" sz="2000"/>
+              <a:t>orders no:</a:t>
+            </a:r>
+            <a:r>
+              <a:rPr sz="2000"/>
+              <a:t>订单号</a:t>
+            </a:r>
+            <a:endParaRPr lang="en-US" altLang="zh-CN" sz="2000"/>
+          </a:p>
+          <a:p>
+            <a:r>
+              <a:rPr lang="en-US" altLang="zh-CN" sz="2000"/>
+              <a:t>goods id:</a:t>
+            </a:r>
+            <a:r>
+              <a:rPr sz="2000"/>
+              <a:t>商品</a:t>
+            </a:r>
+            <a:r>
+              <a:rPr lang="en-US" altLang="zh-CN" sz="2000"/>
+              <a:t>id</a:t>
+            </a:r>
+            <a:endParaRPr lang="en-US" altLang="zh-CN" sz="2000"/>
+          </a:p>
+          <a:p>
+            <a:r>
+              <a:rPr lang="en-US" altLang="zh-CN" sz="2000"/>
+              <a:t>goods name:</a:t>
+            </a:r>
+            <a:r>
+              <a:rPr sz="2000"/>
+              <a:t>商品名称</a:t>
+            </a:r>
+            <a:endParaRPr lang="en-US" altLang="zh-CN" sz="2000"/>
+          </a:p>
+          <a:p>
+            <a:r>
+              <a:rPr lang="en-US" altLang="zh-CN" sz="2000"/>
+              <a:t>goods price:</a:t>
+            </a:r>
+            <a:r>
+              <a:rPr sz="2000"/>
+              <a:t>价格</a:t>
+            </a:r>
+            <a:endParaRPr lang="en-US" altLang="zh-CN" sz="2000"/>
+          </a:p>
+          <a:p>
+            <a:r>
+              <a:rPr lang="en-US" altLang="zh-CN" sz="2000"/>
+              <a:t>orders date:</a:t>
+            </a:r>
+            <a:r>
+              <a:rPr sz="2000"/>
+              <a:t>日前</a:t>
+            </a:r>
+            <a:endParaRPr lang="en-US" altLang="zh-CN" sz="2000"/>
+          </a:p>
+          <a:p>
+            <a:r>
+              <a:rPr lang="en-US" altLang="zh-CN" sz="2000"/>
+              <a:t>user id:</a:t>
+            </a:r>
+            <a:r>
+              <a:rPr sz="2000"/>
+              <a:t>用户</a:t>
+            </a:r>
+            <a:r>
+              <a:rPr lang="en-US" altLang="zh-CN" sz="2000"/>
+              <a:t>id</a:t>
+            </a:r>
+            <a:endParaRPr lang="en-US" altLang="zh-CN" sz="2000"/>
+          </a:p>
+          <a:p>
+            <a:r>
+              <a:rPr lang="en-US" altLang="zh-CN" sz="2000"/>
+              <a:t>real name:</a:t>
+            </a:r>
+            <a:r>
+              <a:rPr sz="2000"/>
+              <a:t>真实姓名</a:t>
+            </a:r>
+            <a:endParaRPr sz="2000"/>
+          </a:p>
+        </p:txBody>
+      </p:sp>
+      <p:sp>
+        <p:nvSpPr>
+          <p:cNvPr id="4" name="标题 3"/>
+          <p:cNvSpPr>
+            <a:spLocks noGrp="1"/>
+          </p:cNvSpPr>
+          <p:nvPr>
+            <p:ph type="title"/>
+          </p:nvPr>
+        </p:nvSpPr>
+        <p:spPr/>
+        <p:txBody>
+          <a:bodyPr/>
+          <a:p>
+            <a:r>
+              <a:rPr lang="zh-CN" altLang="en-US"/>
+              <a:t>商品订单</a:t>
+            </a:r>
+            <a:endParaRPr lang="zh-CN" altLang="en-US"/>
+          </a:p>
+        </p:txBody>
+      </p:sp>
       <p:pic>
         <p:nvPicPr>
-          <p:cNvPr id="5" name="图片占位符 4" descr="C:\Users\Administrator\Desktop\sell.pngsell"/>
+          <p:cNvPr id="6" name="图片占位符 5"/>
           <p:cNvPicPr>
             <a:picLocks noChangeAspect="1"/>
           </p:cNvPicPr>
@@ -4814,111 +5199,20 @@
         </p:nvPicPr>
         <p:blipFill>
           <a:blip r:embed="rId1"/>
-          <a:srcRect/>
           <a:stretch>
             <a:fillRect/>
           </a:stretch>
         </p:blipFill>
         <p:spPr>
           <a:xfrm>
-            <a:off x="0" y="2739390"/>
-            <a:ext cx="8234045" cy="1575435"/>
+            <a:off x="300355" y="4949190"/>
+            <a:ext cx="11276965" cy="782320"/>
           </a:xfrm>
           <a:prstGeom prst="rect">
             <a:avLst/>
           </a:prstGeom>
         </p:spPr>
       </p:pic>
-      <p:sp>
-        <p:nvSpPr>
-          <p:cNvPr id="3" name="文本占位符 2"/>
-          <p:cNvSpPr>
-            <a:spLocks noGrp="1"/>
-          </p:cNvSpPr>
-          <p:nvPr>
-            <p:ph type="body" sz="half" idx="2"/>
-          </p:nvPr>
-        </p:nvSpPr>
-        <p:spPr>
-          <a:xfrm>
-            <a:off x="8233410" y="1555115"/>
-            <a:ext cx="3669030" cy="4608195"/>
-          </a:xfrm>
-        </p:spPr>
-        <p:txBody>
-          <a:bodyPr/>
-          <a:p>
-            <a:r>
-              <a:rPr lang="en-US" altLang="zh-CN" sz="3200"/>
-              <a:t>sellid:</a:t>
-            </a:r>
-            <a:r>
-              <a:rPr altLang="zh-CN" sz="3200"/>
-              <a:t>商品</a:t>
-            </a:r>
-            <a:r>
-              <a:rPr lang="en-US" altLang="zh-CN" sz="3200"/>
-              <a:t>id</a:t>
-            </a:r>
-            <a:endParaRPr lang="en-US" altLang="zh-CN" sz="3200"/>
-          </a:p>
-          <a:p>
-            <a:r>
-              <a:rPr lang="en-US" altLang="zh-CN" sz="3200"/>
-              <a:t>category:</a:t>
-            </a:r>
-            <a:r>
-              <a:rPr sz="3200"/>
-              <a:t>商品种类</a:t>
-            </a:r>
-            <a:endParaRPr lang="en-US" altLang="zh-CN" sz="3200"/>
-          </a:p>
-          <a:p>
-            <a:r>
-              <a:rPr lang="en-US" altLang="zh-CN" sz="3200"/>
-              <a:t>sellprice:</a:t>
-            </a:r>
-            <a:r>
-              <a:rPr sz="3200"/>
-              <a:t>价格</a:t>
-            </a:r>
-            <a:endParaRPr lang="en-US" altLang="zh-CN" sz="3200"/>
-          </a:p>
-          <a:p>
-            <a:r>
-              <a:rPr lang="en-US" altLang="zh-CN" sz="3200"/>
-              <a:t>contactp:</a:t>
-            </a:r>
-            <a:r>
-              <a:rPr sz="3200"/>
-              <a:t>卖家</a:t>
-            </a:r>
-            <a:endParaRPr sz="3200"/>
-          </a:p>
-        </p:txBody>
-      </p:sp>
-      <p:sp>
-        <p:nvSpPr>
-          <p:cNvPr id="4" name="标题 3"/>
-          <p:cNvSpPr>
-            <a:spLocks noGrp="1"/>
-          </p:cNvSpPr>
-          <p:nvPr>
-            <p:ph type="title"/>
-          </p:nvPr>
-        </p:nvSpPr>
-        <p:spPr/>
-        <p:txBody>
-          <a:bodyPr/>
-          <a:p>
-            <a:r>
-              <a:rPr lang="zh-CN" altLang="en-US"/>
-              <a:t>商品上架表</a:t>
-            </a:r>
-            <a:endParaRPr lang="zh-CN" altLang="en-US"/>
-          </a:p>
-        </p:txBody>
-      </p:sp>
     </p:spTree>
     <p:custDataLst>
       <p:tags r:id="rId2"/>
@@ -4940,9 +5234,94 @@
         <p:nvPr/>
       </p:nvGrpSpPr>
       <p:grpSpPr/>
+      <p:sp>
+        <p:nvSpPr>
+          <p:cNvPr id="3" name="文本占位符 2"/>
+          <p:cNvSpPr>
+            <a:spLocks noGrp="1"/>
+          </p:cNvSpPr>
+          <p:nvPr>
+            <p:ph type="body" sz="half" idx="2"/>
+          </p:nvPr>
+        </p:nvSpPr>
+        <p:spPr>
+          <a:xfrm>
+            <a:off x="3185795" y="1555115"/>
+            <a:ext cx="8204835" cy="3551555"/>
+          </a:xfrm>
+        </p:spPr>
+        <p:txBody>
+          <a:bodyPr>
+            <a:normAutofit/>
+          </a:bodyPr>
+          <a:p>
+            <a:r>
+              <a:rPr lang="en-US" altLang="zh-CN" sz="3200"/>
+              <a:t>pic id:</a:t>
+            </a:r>
+            <a:r>
+              <a:rPr sz="3200"/>
+              <a:t>图片</a:t>
+            </a:r>
+            <a:r>
+              <a:rPr lang="en-US" altLang="zh-CN" sz="3200"/>
+              <a:t>id</a:t>
+            </a:r>
+            <a:endParaRPr lang="en-US" altLang="zh-CN" sz="3200"/>
+          </a:p>
+          <a:p>
+            <a:r>
+              <a:rPr lang="en-US" altLang="zh-CN" sz="3200"/>
+              <a:t>goods id:</a:t>
+            </a:r>
+            <a:r>
+              <a:rPr sz="3200"/>
+              <a:t>商品</a:t>
+            </a:r>
+            <a:r>
+              <a:rPr lang="en-US" altLang="zh-CN" sz="3200"/>
+              <a:t>id</a:t>
+            </a:r>
+            <a:endParaRPr lang="en-US" altLang="zh-CN" sz="3200"/>
+          </a:p>
+          <a:p>
+            <a:r>
+              <a:rPr lang="en-US" altLang="zh-CN" sz="3200"/>
+              <a:t>goods pic:</a:t>
+            </a:r>
+            <a:r>
+              <a:rPr sz="3200"/>
+              <a:t>商品图片</a:t>
+            </a:r>
+            <a:endParaRPr sz="3200"/>
+          </a:p>
+        </p:txBody>
+      </p:sp>
+      <p:sp>
+        <p:nvSpPr>
+          <p:cNvPr id="4" name="标题 3"/>
+          <p:cNvSpPr>
+            <a:spLocks noGrp="1"/>
+          </p:cNvSpPr>
+          <p:nvPr>
+            <p:ph type="title"/>
+          </p:nvPr>
+        </p:nvSpPr>
+        <p:spPr/>
+        <p:txBody>
+          <a:bodyPr/>
+          <a:p>
+            <a:r>
+              <a:rPr lang="zh-CN" altLang="en-US"/>
+              <a:t>商品信息</a:t>
+            </a:r>
+            <a:endParaRPr lang="zh-CN" altLang="en-US"/>
+          </a:p>
+        </p:txBody>
+      </p:sp>
       <p:pic>
         <p:nvPicPr>
-          <p:cNvPr id="5" name="图片占位符 4" descr="C:\Users\Administrator\Desktop\buy.pngbuy"/>
+          <p:cNvPr id="6" name="图片占位符 5"/>
           <p:cNvPicPr>
             <a:picLocks noChangeAspect="1"/>
           </p:cNvPicPr>
@@ -4952,118 +5331,20 @@
         </p:nvPicPr>
         <p:blipFill>
           <a:blip r:embed="rId1"/>
-          <a:srcRect/>
           <a:stretch>
             <a:fillRect/>
           </a:stretch>
         </p:blipFill>
         <p:spPr>
           <a:xfrm>
-            <a:off x="0" y="2384108"/>
-            <a:ext cx="8491220" cy="1697990"/>
+            <a:off x="608330" y="4349750"/>
+            <a:ext cx="9417685" cy="666750"/>
           </a:xfrm>
           <a:prstGeom prst="rect">
             <a:avLst/>
           </a:prstGeom>
         </p:spPr>
       </p:pic>
-      <p:sp>
-        <p:nvSpPr>
-          <p:cNvPr id="3" name="文本占位符 2"/>
-          <p:cNvSpPr>
-            <a:spLocks noGrp="1"/>
-          </p:cNvSpPr>
-          <p:nvPr>
-            <p:ph type="body" sz="half" idx="2"/>
-          </p:nvPr>
-        </p:nvSpPr>
-        <p:spPr>
-          <a:xfrm>
-            <a:off x="8691245" y="1555115"/>
-            <a:ext cx="3244215" cy="4608195"/>
-          </a:xfrm>
-        </p:spPr>
-        <p:txBody>
-          <a:bodyPr/>
-          <a:p>
-            <a:r>
-              <a:rPr lang="en-US" altLang="zh-CN" sz="3200"/>
-              <a:t>buyid:</a:t>
-            </a:r>
-            <a:r>
-              <a:rPr sz="3200"/>
-              <a:t>商品</a:t>
-            </a:r>
-            <a:r>
-              <a:rPr lang="en-US" altLang="zh-CN" sz="3200"/>
-              <a:t>id</a:t>
-            </a:r>
-            <a:endParaRPr lang="en-US" altLang="zh-CN" sz="3200"/>
-          </a:p>
-          <a:p>
-            <a:r>
-              <a:rPr lang="en-US" altLang="zh-CN" sz="3200"/>
-              <a:t>category:</a:t>
-            </a:r>
-            <a:r>
-              <a:rPr sz="3200"/>
-              <a:t>商品</a:t>
-            </a:r>
-            <a:r>
-              <a:rPr altLang="zh-CN" sz="3200"/>
-              <a:t>种类</a:t>
-            </a:r>
-            <a:endParaRPr lang="en-US" altLang="zh-CN" sz="3200"/>
-          </a:p>
-          <a:p>
-            <a:r>
-              <a:rPr lang="en-US" altLang="zh-CN" sz="3200"/>
-              <a:t>buyprice</a:t>
-            </a:r>
-            <a:r>
-              <a:rPr sz="3200"/>
-              <a:t>：价格</a:t>
-            </a:r>
-            <a:endParaRPr lang="en-US" altLang="zh-CN" sz="3200"/>
-          </a:p>
-          <a:p>
-            <a:r>
-              <a:rPr lang="en-US" altLang="zh-CN" sz="3200"/>
-              <a:t>contacp:</a:t>
-            </a:r>
-            <a:r>
-              <a:rPr sz="3200"/>
-              <a:t>卖家</a:t>
-            </a:r>
-            <a:endParaRPr sz="3200"/>
-          </a:p>
-          <a:p>
-            <a:endParaRPr sz="3200"/>
-          </a:p>
-        </p:txBody>
-      </p:sp>
-      <p:sp>
-        <p:nvSpPr>
-          <p:cNvPr id="4" name="标题 3"/>
-          <p:cNvSpPr>
-            <a:spLocks noGrp="1"/>
-          </p:cNvSpPr>
-          <p:nvPr>
-            <p:ph type="title"/>
-          </p:nvPr>
-        </p:nvSpPr>
-        <p:spPr/>
-        <p:txBody>
-          <a:bodyPr/>
-          <a:p>
-            <a:r>
-              <a:rPr lang="zh-CN" altLang="en-US"/>
-              <a:t>购买商品</a:t>
-            </a:r>
-            <a:endParaRPr lang="zh-CN" altLang="en-US"/>
-          </a:p>
-        </p:txBody>
-      </p:sp>
     </p:spTree>
     <p:custDataLst>
       <p:tags r:id="rId2"/>
@@ -5075,6 +5356,292 @@
 </p:sld>
 </file>
 
+<file path=ppt/slides/slide6.xml><?xml version="1.0" encoding="utf-8"?>
+<p:sld xmlns:a="http://schemas.openxmlformats.org/drawingml/2006/main" xmlns:r="http://schemas.openxmlformats.org/officeDocument/2006/relationships" xmlns:p="http://schemas.openxmlformats.org/presentationml/2006/main">
+  <p:cSld>
+    <p:spTree>
+      <p:nvGrpSpPr>
+        <p:cNvPr id="1" name=""/>
+        <p:cNvGrpSpPr/>
+        <p:nvPr/>
+      </p:nvGrpSpPr>
+      <p:grpSpPr/>
+      <p:sp>
+        <p:nvSpPr>
+          <p:cNvPr id="3" name="文本占位符 2"/>
+          <p:cNvSpPr>
+            <a:spLocks noGrp="1"/>
+          </p:cNvSpPr>
+          <p:nvPr>
+            <p:ph type="body" sz="half" idx="2"/>
+          </p:nvPr>
+        </p:nvSpPr>
+        <p:spPr>
+          <a:xfrm>
+            <a:off x="2948305" y="1102360"/>
+            <a:ext cx="7918450" cy="3667125"/>
+          </a:xfrm>
+        </p:spPr>
+        <p:txBody>
+          <a:bodyPr/>
+          <a:p>
+            <a:r>
+              <a:rPr lang="en-US" altLang="zh-CN" sz="2400"/>
+              <a:t>logistics id:</a:t>
+            </a:r>
+            <a:r>
+              <a:rPr sz="2400"/>
+              <a:t>求购</a:t>
+            </a:r>
+            <a:r>
+              <a:rPr lang="en-US" altLang="zh-CN" sz="2400"/>
+              <a:t>id</a:t>
+            </a:r>
+            <a:endParaRPr lang="en-US" altLang="zh-CN" sz="2400"/>
+          </a:p>
+          <a:p>
+            <a:r>
+              <a:rPr lang="en-US" altLang="zh-CN" sz="2400"/>
+              <a:t>order no:</a:t>
+            </a:r>
+            <a:r>
+              <a:rPr sz="2400"/>
+              <a:t>订单号</a:t>
+            </a:r>
+            <a:endParaRPr lang="en-US" altLang="zh-CN" sz="2400"/>
+          </a:p>
+          <a:p>
+            <a:r>
+              <a:rPr lang="en-US" altLang="zh-CN" sz="2400"/>
+              <a:t>logistics date:</a:t>
+            </a:r>
+            <a:r>
+              <a:rPr sz="2400"/>
+              <a:t>日期</a:t>
+            </a:r>
+            <a:endParaRPr lang="en-US" altLang="zh-CN" sz="2400"/>
+          </a:p>
+          <a:p>
+            <a:r>
+              <a:rPr lang="en-US" altLang="zh-CN" sz="2400"/>
+              <a:t>logistics desc:</a:t>
+            </a:r>
+            <a:r>
+              <a:rPr sz="2400"/>
+              <a:t>补充</a:t>
+            </a:r>
+            <a:r>
+              <a:rPr sz="2400"/>
+              <a:t>价格</a:t>
+            </a:r>
+            <a:endParaRPr sz="2400"/>
+          </a:p>
+        </p:txBody>
+      </p:sp>
+      <p:sp>
+        <p:nvSpPr>
+          <p:cNvPr id="4" name="标题 3"/>
+          <p:cNvSpPr>
+            <a:spLocks noGrp="1"/>
+          </p:cNvSpPr>
+          <p:nvPr>
+            <p:ph type="title"/>
+          </p:nvPr>
+        </p:nvSpPr>
+        <p:spPr/>
+        <p:txBody>
+          <a:bodyPr/>
+          <a:p>
+            <a:r>
+              <a:rPr lang="zh-CN" altLang="en-US"/>
+              <a:t>商品交换</a:t>
+            </a:r>
+            <a:endParaRPr lang="zh-CN" altLang="en-US"/>
+          </a:p>
+        </p:txBody>
+      </p:sp>
+      <p:pic>
+        <p:nvPicPr>
+          <p:cNvPr id="7" name="图片占位符 6"/>
+          <p:cNvPicPr>
+            <a:picLocks noChangeAspect="1"/>
+          </p:cNvPicPr>
+          <p:nvPr>
+            <p:ph type="pic" idx="1"/>
+          </p:nvPr>
+        </p:nvPicPr>
+        <p:blipFill>
+          <a:blip r:embed="rId1"/>
+          <a:stretch>
+            <a:fillRect/>
+          </a:stretch>
+        </p:blipFill>
+        <p:spPr>
+          <a:xfrm>
+            <a:off x="789305" y="5010785"/>
+            <a:ext cx="9782810" cy="1410970"/>
+          </a:xfrm>
+          <a:prstGeom prst="rect">
+            <a:avLst/>
+          </a:prstGeom>
+        </p:spPr>
+      </p:pic>
+    </p:spTree>
+    <p:custDataLst>
+      <p:tags r:id="rId2"/>
+    </p:custDataLst>
+  </p:cSld>
+  <p:clrMapOvr>
+    <a:masterClrMapping/>
+  </p:clrMapOvr>
+</p:sld>
+</file>
+
+<file path=ppt/slides/slide7.xml><?xml version="1.0" encoding="utf-8"?>
+<p:sld xmlns:a="http://schemas.openxmlformats.org/drawingml/2006/main" xmlns:r="http://schemas.openxmlformats.org/officeDocument/2006/relationships" xmlns:p="http://schemas.openxmlformats.org/presentationml/2006/main">
+  <p:cSld>
+    <p:spTree>
+      <p:nvGrpSpPr>
+        <p:cNvPr id="1" name=""/>
+        <p:cNvGrpSpPr/>
+        <p:nvPr/>
+      </p:nvGrpSpPr>
+      <p:grpSpPr/>
+      <p:sp>
+        <p:nvSpPr>
+          <p:cNvPr id="3" name="文本占位符 2"/>
+          <p:cNvSpPr>
+            <a:spLocks noGrp="1"/>
+          </p:cNvSpPr>
+          <p:nvPr>
+            <p:ph type="body" sz="half" idx="2"/>
+          </p:nvPr>
+        </p:nvSpPr>
+        <p:spPr>
+          <a:xfrm>
+            <a:off x="2357120" y="1555115"/>
+            <a:ext cx="9220835" cy="3620135"/>
+          </a:xfrm>
+        </p:spPr>
+        <p:txBody>
+          <a:bodyPr/>
+          <a:p>
+            <a:r>
+              <a:rPr lang="en-US" altLang="zh-CN" sz="2000"/>
+              <a:t>collect id:</a:t>
+            </a:r>
+            <a:r>
+              <a:rPr altLang="zh-CN" sz="2000"/>
+              <a:t>收藏</a:t>
+            </a:r>
+            <a:r>
+              <a:rPr lang="en-US" altLang="zh-CN" sz="2000"/>
+              <a:t>id</a:t>
+            </a:r>
+            <a:endParaRPr lang="en-US" altLang="zh-CN" sz="2000"/>
+          </a:p>
+          <a:p>
+            <a:r>
+              <a:rPr lang="en-US" altLang="zh-CN" sz="2000"/>
+              <a:t>goods id:</a:t>
+            </a:r>
+            <a:r>
+              <a:rPr sz="2000"/>
+              <a:t>商品</a:t>
+            </a:r>
+            <a:r>
+              <a:rPr lang="en-US" altLang="zh-CN" sz="2000"/>
+              <a:t>id</a:t>
+            </a:r>
+            <a:endParaRPr lang="en-US" altLang="zh-CN" sz="2000"/>
+          </a:p>
+          <a:p>
+            <a:r>
+              <a:rPr lang="en-US" altLang="zh-CN" sz="2000"/>
+              <a:t>user id:</a:t>
+            </a:r>
+            <a:r>
+              <a:rPr sz="2000"/>
+              <a:t>用户</a:t>
+            </a:r>
+            <a:r>
+              <a:rPr lang="en-US" altLang="zh-CN" sz="2000"/>
+              <a:t>id</a:t>
+            </a:r>
+            <a:endParaRPr lang="en-US" altLang="zh-CN" sz="2000"/>
+          </a:p>
+          <a:p>
+            <a:r>
+              <a:rPr lang="en-US" altLang="zh-CN" sz="2000"/>
+              <a:t>collect date:</a:t>
+            </a:r>
+            <a:r>
+              <a:rPr sz="2000"/>
+              <a:t>日期</a:t>
+            </a:r>
+            <a:endParaRPr sz="2000"/>
+          </a:p>
+        </p:txBody>
+      </p:sp>
+      <p:sp>
+        <p:nvSpPr>
+          <p:cNvPr id="4" name="标题 3"/>
+          <p:cNvSpPr>
+            <a:spLocks noGrp="1"/>
+          </p:cNvSpPr>
+          <p:nvPr>
+            <p:ph type="title"/>
+          </p:nvPr>
+        </p:nvSpPr>
+        <p:spPr/>
+        <p:txBody>
+          <a:bodyPr/>
+          <a:p>
+            <a:r>
+              <a:rPr lang="zh-CN" altLang="en-US"/>
+              <a:t>收藏商品</a:t>
+            </a:r>
+            <a:endParaRPr lang="zh-CN" altLang="en-US"/>
+          </a:p>
+        </p:txBody>
+      </p:sp>
+      <p:pic>
+        <p:nvPicPr>
+          <p:cNvPr id="5" name="图片占位符 4"/>
+          <p:cNvPicPr>
+            <a:picLocks noChangeAspect="1"/>
+          </p:cNvPicPr>
+          <p:nvPr>
+            <p:ph type="pic" idx="1"/>
+          </p:nvPr>
+        </p:nvPicPr>
+        <p:blipFill>
+          <a:blip r:embed="rId1"/>
+          <a:stretch>
+            <a:fillRect/>
+          </a:stretch>
+        </p:blipFill>
+        <p:spPr>
+          <a:xfrm>
+            <a:off x="794385" y="5328920"/>
+            <a:ext cx="8647430" cy="670560"/>
+          </a:xfrm>
+          <a:prstGeom prst="rect">
+            <a:avLst/>
+          </a:prstGeom>
+        </p:spPr>
+      </p:pic>
+    </p:spTree>
+    <p:custDataLst>
+      <p:tags r:id="rId2"/>
+    </p:custDataLst>
+  </p:cSld>
+  <p:clrMapOvr>
+    <a:masterClrMapping/>
+  </p:clrMapOvr>
+</p:sld>
+</file>
+
 <file path=ppt/tags/tag1.xml><?xml version="1.0" encoding="utf-8"?>
 <p:tagLst xmlns:p="http://schemas.openxmlformats.org/presentationml/2006/main">
   <p:tag name="KSO_WM_UNIT_HIGHLIGHT" val="0"/>
@@ -5880,6 +6447,22 @@
 </file>
 
 <file path=ppt/tags/tag67.xml><?xml version="1.0" encoding="utf-8"?>
+<p:tagLst xmlns:p="http://schemas.openxmlformats.org/presentationml/2006/main">
+  <p:tag name="KSO_WM_BEAUTIFY_FLAG" val="#wm#"/>
+  <p:tag name="KSO_WM_TEMPLATE_CATEGORY" val="custom"/>
+  <p:tag name="KSO_WM_TEMPLATE_INDEX" val="20205081"/>
+</p:tagLst>
+</file>
+
+<file path=ppt/tags/tag68.xml><?xml version="1.0" encoding="utf-8"?>
+<p:tagLst xmlns:p="http://schemas.openxmlformats.org/presentationml/2006/main">
+  <p:tag name="KSO_WM_BEAUTIFY_FLAG" val="#wm#"/>
+  <p:tag name="KSO_WM_TEMPLATE_CATEGORY" val="custom"/>
+  <p:tag name="KSO_WM_TEMPLATE_INDEX" val="20205081"/>
+</p:tagLst>
+</file>
+
+<file path=ppt/tags/tag69.xml><?xml version="1.0" encoding="utf-8"?>
 <p:tagLst xmlns:p="http://schemas.openxmlformats.org/presentationml/2006/main">
   <p:tag name="KSO_WM_BEAUTIFY_FLAG" val="#wm#"/>
   <p:tag name="KSO_WM_TEMPLATE_CATEGORY" val="custom"/>
